--- a/最終発表スライド/図形作成用.pptx
+++ b/最終発表スライド/図形作成用.pptx
@@ -7,6 +7,8 @@
   <p:sldIdLst>
     <p:sldId id="256" r:id="rId2"/>
     <p:sldId id="257" r:id="rId3"/>
+    <p:sldId id="258" r:id="rId4"/>
+    <p:sldId id="259" r:id="rId5"/>
   </p:sldIdLst>
   <p:sldSz cx="12192000" cy="6858000"/>
   <p:notesSz cx="6858000" cy="9144000"/>
@@ -260,7 +262,7 @@
           <a:p>
             <a:fld id="{54366151-8DC7-DC43-B45C-D85198DAE1C3}" type="datetimeFigureOut">
               <a:rPr kumimoji="1" lang="ja-JP" altLang="en-US" smtClean="0"/>
-              <a:t>2018/1/25</a:t>
+              <a:t>2018/1/28</a:t>
             </a:fld>
             <a:endParaRPr kumimoji="1" lang="ja-JP" altLang="en-US"/>
           </a:p>
@@ -490,7 +492,7 @@
           <a:p>
             <a:fld id="{54366151-8DC7-DC43-B45C-D85198DAE1C3}" type="datetimeFigureOut">
               <a:rPr kumimoji="1" lang="ja-JP" altLang="en-US" smtClean="0"/>
-              <a:t>2018/1/25</a:t>
+              <a:t>2018/1/28</a:t>
             </a:fld>
             <a:endParaRPr kumimoji="1" lang="ja-JP" altLang="en-US"/>
           </a:p>
@@ -730,7 +732,7 @@
           <a:p>
             <a:fld id="{54366151-8DC7-DC43-B45C-D85198DAE1C3}" type="datetimeFigureOut">
               <a:rPr kumimoji="1" lang="ja-JP" altLang="en-US" smtClean="0"/>
-              <a:t>2018/1/25</a:t>
+              <a:t>2018/1/28</a:t>
             </a:fld>
             <a:endParaRPr kumimoji="1" lang="ja-JP" altLang="en-US"/>
           </a:p>
@@ -960,7 +962,7 @@
           <a:p>
             <a:fld id="{54366151-8DC7-DC43-B45C-D85198DAE1C3}" type="datetimeFigureOut">
               <a:rPr kumimoji="1" lang="ja-JP" altLang="en-US" smtClean="0"/>
-              <a:t>2018/1/25</a:t>
+              <a:t>2018/1/28</a:t>
             </a:fld>
             <a:endParaRPr kumimoji="1" lang="ja-JP" altLang="en-US"/>
           </a:p>
@@ -1235,7 +1237,7 @@
           <a:p>
             <a:fld id="{54366151-8DC7-DC43-B45C-D85198DAE1C3}" type="datetimeFigureOut">
               <a:rPr kumimoji="1" lang="ja-JP" altLang="en-US" smtClean="0"/>
-              <a:t>2018/1/25</a:t>
+              <a:t>2018/1/28</a:t>
             </a:fld>
             <a:endParaRPr kumimoji="1" lang="ja-JP" altLang="en-US"/>
           </a:p>
@@ -1564,7 +1566,7 @@
           <a:p>
             <a:fld id="{54366151-8DC7-DC43-B45C-D85198DAE1C3}" type="datetimeFigureOut">
               <a:rPr kumimoji="1" lang="ja-JP" altLang="en-US" smtClean="0"/>
-              <a:t>2018/1/25</a:t>
+              <a:t>2018/1/28</a:t>
             </a:fld>
             <a:endParaRPr kumimoji="1" lang="ja-JP" altLang="en-US"/>
           </a:p>
@@ -2040,7 +2042,7 @@
           <a:p>
             <a:fld id="{54366151-8DC7-DC43-B45C-D85198DAE1C3}" type="datetimeFigureOut">
               <a:rPr kumimoji="1" lang="ja-JP" altLang="en-US" smtClean="0"/>
-              <a:t>2018/1/25</a:t>
+              <a:t>2018/1/28</a:t>
             </a:fld>
             <a:endParaRPr kumimoji="1" lang="ja-JP" altLang="en-US"/>
           </a:p>
@@ -2181,7 +2183,7 @@
           <a:p>
             <a:fld id="{54366151-8DC7-DC43-B45C-D85198DAE1C3}" type="datetimeFigureOut">
               <a:rPr kumimoji="1" lang="ja-JP" altLang="en-US" smtClean="0"/>
-              <a:t>2018/1/25</a:t>
+              <a:t>2018/1/28</a:t>
             </a:fld>
             <a:endParaRPr kumimoji="1" lang="ja-JP" altLang="en-US"/>
           </a:p>
@@ -2294,7 +2296,7 @@
           <a:p>
             <a:fld id="{54366151-8DC7-DC43-B45C-D85198DAE1C3}" type="datetimeFigureOut">
               <a:rPr kumimoji="1" lang="ja-JP" altLang="en-US" smtClean="0"/>
-              <a:t>2018/1/25</a:t>
+              <a:t>2018/1/28</a:t>
             </a:fld>
             <a:endParaRPr kumimoji="1" lang="ja-JP" altLang="en-US"/>
           </a:p>
@@ -2637,7 +2639,7 @@
           <a:p>
             <a:fld id="{54366151-8DC7-DC43-B45C-D85198DAE1C3}" type="datetimeFigureOut">
               <a:rPr kumimoji="1" lang="ja-JP" altLang="en-US" smtClean="0"/>
-              <a:t>2018/1/25</a:t>
+              <a:t>2018/1/28</a:t>
             </a:fld>
             <a:endParaRPr kumimoji="1" lang="ja-JP" altLang="en-US"/>
           </a:p>
@@ -2925,7 +2927,7 @@
           <a:p>
             <a:fld id="{54366151-8DC7-DC43-B45C-D85198DAE1C3}" type="datetimeFigureOut">
               <a:rPr kumimoji="1" lang="ja-JP" altLang="en-US" smtClean="0"/>
-              <a:t>2018/1/25</a:t>
+              <a:t>2018/1/28</a:t>
             </a:fld>
             <a:endParaRPr kumimoji="1" lang="ja-JP" altLang="en-US"/>
           </a:p>
@@ -3198,7 +3200,7 @@
           <a:p>
             <a:fld id="{54366151-8DC7-DC43-B45C-D85198DAE1C3}" type="datetimeFigureOut">
               <a:rPr kumimoji="1" lang="ja-JP" altLang="en-US" smtClean="0"/>
-              <a:t>2018/1/25</a:t>
+              <a:t>2018/1/28</a:t>
             </a:fld>
             <a:endParaRPr kumimoji="1" lang="ja-JP" altLang="en-US"/>
           </a:p>
@@ -5089,8 +5091,8 @@
           </a:fontRef>
         </p:style>
       </p:cxnSp>
-      <mc:AlternateContent xmlns:mc="http://schemas.openxmlformats.org/markup-compatibility/2006">
-        <mc:Choice xmlns:a14="http://schemas.microsoft.com/office/drawing/2010/main" Requires="a14">
+      <mc:AlternateContent xmlns:mc="http://schemas.openxmlformats.org/markup-compatibility/2006" xmlns:a14="http://schemas.microsoft.com/office/drawing/2010/main">
+        <mc:Choice Requires="a14">
           <p:sp>
             <p:nvSpPr>
               <p:cNvPr id="11" name="テキスト ボックス 10">
@@ -5140,7 +5142,7 @@
             </p:txBody>
           </p:sp>
         </mc:Choice>
-        <mc:Fallback>
+        <mc:Fallback xmlns="">
           <p:sp>
             <p:nvSpPr>
               <p:cNvPr id="11" name="テキスト ボックス 10">
@@ -5185,8 +5187,8 @@
           </p:sp>
         </mc:Fallback>
       </mc:AlternateContent>
-      <mc:AlternateContent xmlns:mc="http://schemas.openxmlformats.org/markup-compatibility/2006">
-        <mc:Choice xmlns:a14="http://schemas.microsoft.com/office/drawing/2010/main" Requires="a14">
+      <mc:AlternateContent xmlns:mc="http://schemas.openxmlformats.org/markup-compatibility/2006" xmlns:a14="http://schemas.microsoft.com/office/drawing/2010/main">
+        <mc:Choice Requires="a14">
           <p:sp>
             <p:nvSpPr>
               <p:cNvPr id="12" name="テキスト ボックス 11">
@@ -5215,6 +5217,7 @@
               </a:bodyPr>
               <a:lstStyle/>
               <a:p>
+                <a:pPr/>
                 <a14:m>
                   <m:oMathPara xmlns:m="http://schemas.openxmlformats.org/officeDocument/2006/math">
                     <m:oMathParaPr>
@@ -5235,7 +5238,7 @@
             </p:txBody>
           </p:sp>
         </mc:Choice>
-        <mc:Fallback>
+        <mc:Fallback xmlns="">
           <p:sp>
             <p:nvSpPr>
               <p:cNvPr id="12" name="テキスト ボックス 11">
@@ -5629,8 +5632,8 @@
           </a:fontRef>
         </p:style>
       </p:cxnSp>
-      <mc:AlternateContent xmlns:mc="http://schemas.openxmlformats.org/markup-compatibility/2006">
-        <mc:Choice xmlns:a14="http://schemas.microsoft.com/office/drawing/2010/main" Requires="a14">
+      <mc:AlternateContent xmlns:mc="http://schemas.openxmlformats.org/markup-compatibility/2006" xmlns:a14="http://schemas.microsoft.com/office/drawing/2010/main">
+        <mc:Choice Requires="a14">
           <p:sp>
             <p:nvSpPr>
               <p:cNvPr id="29" name="テキスト ボックス 28">
@@ -5659,6 +5662,7 @@
               </a:bodyPr>
               <a:lstStyle/>
               <a:p>
+                <a:pPr/>
                 <a14:m>
                   <m:oMathPara xmlns:m="http://schemas.openxmlformats.org/officeDocument/2006/math">
                     <m:oMathParaPr>
@@ -5679,7 +5683,7 @@
             </p:txBody>
           </p:sp>
         </mc:Choice>
-        <mc:Fallback>
+        <mc:Fallback xmlns="">
           <p:sp>
             <p:nvSpPr>
               <p:cNvPr id="29" name="テキスト ボックス 28">
@@ -5724,8 +5728,8 @@
           </p:sp>
         </mc:Fallback>
       </mc:AlternateContent>
-      <mc:AlternateContent xmlns:mc="http://schemas.openxmlformats.org/markup-compatibility/2006">
-        <mc:Choice xmlns:a14="http://schemas.microsoft.com/office/drawing/2010/main" Requires="a14">
+      <mc:AlternateContent xmlns:mc="http://schemas.openxmlformats.org/markup-compatibility/2006" xmlns:a14="http://schemas.microsoft.com/office/drawing/2010/main">
+        <mc:Choice Requires="a14">
           <p:sp>
             <p:nvSpPr>
               <p:cNvPr id="30" name="テキスト ボックス 29">
@@ -5754,6 +5758,7 @@
               </a:bodyPr>
               <a:lstStyle/>
               <a:p>
+                <a:pPr/>
                 <a14:m>
                   <m:oMathPara xmlns:m="http://schemas.openxmlformats.org/officeDocument/2006/math">
                     <m:oMathParaPr>
@@ -5774,7 +5779,7 @@
             </p:txBody>
           </p:sp>
         </mc:Choice>
-        <mc:Fallback>
+        <mc:Fallback xmlns="">
           <p:sp>
             <p:nvSpPr>
               <p:cNvPr id="30" name="テキスト ボックス 29">
@@ -5915,6 +5920,828 @@
     <p:extLst>
       <p:ext uri="{BB962C8B-B14F-4D97-AF65-F5344CB8AC3E}">
         <p14:creationId xmlns:p14="http://schemas.microsoft.com/office/powerpoint/2010/main" val="1646699604"/>
+      </p:ext>
+    </p:extLst>
+  </p:cSld>
+  <p:clrMapOvr>
+    <a:masterClrMapping/>
+  </p:clrMapOvr>
+</p:sld>
+</file>
+
+<file path=ppt/slides/slide3.xml><?xml version="1.0" encoding="utf-8"?>
+<p:sld xmlns:a="http://schemas.openxmlformats.org/drawingml/2006/main" xmlns:r="http://schemas.openxmlformats.org/officeDocument/2006/relationships" xmlns:p="http://schemas.openxmlformats.org/presentationml/2006/main">
+  <p:cSld>
+    <p:spTree>
+      <p:nvGrpSpPr>
+        <p:cNvPr id="1" name=""/>
+        <p:cNvGrpSpPr/>
+        <p:nvPr/>
+      </p:nvGrpSpPr>
+      <p:grpSpPr>
+        <a:xfrm>
+          <a:off x="0" y="0"/>
+          <a:ext cx="0" cy="0"/>
+          <a:chOff x="0" y="0"/>
+          <a:chExt cx="0" cy="0"/>
+        </a:xfrm>
+      </p:grpSpPr>
+      <p:pic>
+        <p:nvPicPr>
+          <p:cNvPr id="5" name="図 4">
+            <a:extLst>
+              <a:ext uri="{FF2B5EF4-FFF2-40B4-BE49-F238E27FC236}">
+                <a16:creationId xmlns:a16="http://schemas.microsoft.com/office/drawing/2014/main" id="{146BE3A7-9F6A-FE46-B387-FDB8283709E6}"/>
+              </a:ext>
+            </a:extLst>
+          </p:cNvPr>
+          <p:cNvPicPr>
+            <a:picLocks noChangeAspect="1"/>
+          </p:cNvPicPr>
+          <p:nvPr/>
+        </p:nvPicPr>
+        <p:blipFill>
+          <a:blip r:embed="rId2">
+            <a:extLst>
+              <a:ext uri="{28A0092B-C50C-407E-A947-70E740481C1C}">
+                <a14:useLocalDpi xmlns:a14="http://schemas.microsoft.com/office/drawing/2010/main" val="0"/>
+              </a:ext>
+            </a:extLst>
+          </a:blip>
+          <a:stretch>
+            <a:fillRect/>
+          </a:stretch>
+        </p:blipFill>
+        <p:spPr>
+          <a:xfrm>
+            <a:off x="2349500" y="247650"/>
+            <a:ext cx="7493000" cy="6362700"/>
+          </a:xfrm>
+          <a:prstGeom prst="rect">
+            <a:avLst/>
+          </a:prstGeom>
+        </p:spPr>
+      </p:pic>
+      <mc:AlternateContent xmlns:mc="http://schemas.openxmlformats.org/markup-compatibility/2006">
+        <mc:Choice xmlns:a14="http://schemas.microsoft.com/office/drawing/2010/main" Requires="a14">
+          <p:sp>
+            <p:nvSpPr>
+              <p:cNvPr id="6" name="テキスト ボックス 5">
+                <a:extLst>
+                  <a:ext uri="{FF2B5EF4-FFF2-40B4-BE49-F238E27FC236}">
+                    <a16:creationId xmlns:a16="http://schemas.microsoft.com/office/drawing/2014/main" id="{9FCA9EC6-3D09-8D4E-8121-FD6AF33D794A}"/>
+                  </a:ext>
+                </a:extLst>
+              </p:cNvPr>
+              <p:cNvSpPr txBox="1"/>
+              <p:nvPr/>
+            </p:nvSpPr>
+            <p:spPr>
+              <a:xfrm>
+                <a:off x="7781743" y="363417"/>
+                <a:ext cx="518196" cy="430887"/>
+              </a:xfrm>
+              <a:prstGeom prst="rect">
+                <a:avLst/>
+              </a:prstGeom>
+              <a:noFill/>
+            </p:spPr>
+            <p:txBody>
+              <a:bodyPr wrap="square" lIns="0" tIns="0" rIns="0" bIns="0" rtlCol="0">
+                <a:spAutoFit/>
+              </a:bodyPr>
+              <a:lstStyle/>
+              <a:p>
+                <a14:m>
+                  <m:oMathPara xmlns:m="http://schemas.openxmlformats.org/officeDocument/2006/math">
+                    <m:oMathParaPr>
+                      <m:jc m:val="centerGroup"/>
+                    </m:oMathParaPr>
+                    <m:oMath xmlns:m="http://schemas.openxmlformats.org/officeDocument/2006/math">
+                      <m:sSub>
+                        <m:sSubPr>
+                          <m:ctrlPr>
+                            <a:rPr kumimoji="1" lang="en-US" altLang="ja-JP" sz="2800" i="1" smtClean="0">
+                              <a:latin typeface="Cambria Math" panose="02040503050406030204" pitchFamily="18" charset="0"/>
+                            </a:rPr>
+                          </m:ctrlPr>
+                        </m:sSubPr>
+                        <m:e>
+                          <m:r>
+                            <a:rPr kumimoji="1" lang="en-US" altLang="ja-JP" sz="2800" i="1" smtClean="0">
+                              <a:latin typeface="Cambria Math" panose="02040503050406030204" pitchFamily="18" charset="0"/>
+                              <a:ea typeface="Cambria Math" panose="02040503050406030204" pitchFamily="18" charset="0"/>
+                            </a:rPr>
+                            <m:t>𝜃</m:t>
+                          </m:r>
+                        </m:e>
+                        <m:sub>
+                          <m:r>
+                            <a:rPr kumimoji="1" lang="en-US" altLang="ja-JP" sz="2800" b="0" i="1" smtClean="0">
+                              <a:latin typeface="Cambria Math" panose="02040503050406030204" pitchFamily="18" charset="0"/>
+                            </a:rPr>
+                            <m:t>1</m:t>
+                          </m:r>
+                        </m:sub>
+                      </m:sSub>
+                    </m:oMath>
+                  </m:oMathPara>
+                </a14:m>
+                <a:endParaRPr kumimoji="1" lang="ja-JP" altLang="en-US" sz="2800" dirty="0"/>
+              </a:p>
+            </p:txBody>
+          </p:sp>
+        </mc:Choice>
+        <mc:Fallback>
+          <p:sp>
+            <p:nvSpPr>
+              <p:cNvPr id="6" name="テキスト ボックス 5">
+                <a:extLst>
+                  <a:ext uri="{FF2B5EF4-FFF2-40B4-BE49-F238E27FC236}">
+                    <a16:creationId xmlns:a16="http://schemas.microsoft.com/office/drawing/2014/main" id="{9FCA9EC6-3D09-8D4E-8121-FD6AF33D794A}"/>
+                  </a:ext>
+                </a:extLst>
+              </p:cNvPr>
+              <p:cNvSpPr txBox="1">
+                <a:spLocks noRot="1" noChangeAspect="1" noMove="1" noResize="1" noEditPoints="1" noAdjustHandles="1" noChangeArrowheads="1" noChangeShapeType="1" noTextEdit="1"/>
+              </p:cNvSpPr>
+              <p:nvPr/>
+            </p:nvSpPr>
+            <p:spPr>
+              <a:xfrm>
+                <a:off x="7781743" y="363417"/>
+                <a:ext cx="518196" cy="430887"/>
+              </a:xfrm>
+              <a:prstGeom prst="rect">
+                <a:avLst/>
+              </a:prstGeom>
+              <a:blipFill>
+                <a:blip r:embed="rId3"/>
+                <a:stretch>
+                  <a:fillRect l="-7143" b="-11429"/>
+                </a:stretch>
+              </a:blipFill>
+            </p:spPr>
+            <p:txBody>
+              <a:bodyPr/>
+              <a:lstStyle/>
+              <a:p>
+                <a:r>
+                  <a:rPr lang="ja-JP" altLang="en-US">
+                    <a:noFill/>
+                  </a:rPr>
+                  <a:t> </a:t>
+                </a:r>
+              </a:p>
+            </p:txBody>
+          </p:sp>
+        </mc:Fallback>
+      </mc:AlternateContent>
+      <mc:AlternateContent xmlns:mc="http://schemas.openxmlformats.org/markup-compatibility/2006">
+        <mc:Choice xmlns:a14="http://schemas.microsoft.com/office/drawing/2010/main" Requires="a14">
+          <p:sp>
+            <p:nvSpPr>
+              <p:cNvPr id="8" name="テキスト ボックス 7">
+                <a:extLst>
+                  <a:ext uri="{FF2B5EF4-FFF2-40B4-BE49-F238E27FC236}">
+                    <a16:creationId xmlns:a16="http://schemas.microsoft.com/office/drawing/2014/main" id="{18013B7A-D4CC-EF46-9FE6-83DE1CBA8FD6}"/>
+                  </a:ext>
+                </a:extLst>
+              </p:cNvPr>
+              <p:cNvSpPr txBox="1"/>
+              <p:nvPr/>
+            </p:nvSpPr>
+            <p:spPr>
+              <a:xfrm>
+                <a:off x="7781743" y="5824908"/>
+                <a:ext cx="518196" cy="430887"/>
+              </a:xfrm>
+              <a:prstGeom prst="rect">
+                <a:avLst/>
+              </a:prstGeom>
+              <a:noFill/>
+            </p:spPr>
+            <p:txBody>
+              <a:bodyPr wrap="square" lIns="0" tIns="0" rIns="0" bIns="0" rtlCol="0">
+                <a:spAutoFit/>
+              </a:bodyPr>
+              <a:lstStyle/>
+              <a:p>
+                <a14:m>
+                  <m:oMathPara xmlns:m="http://schemas.openxmlformats.org/officeDocument/2006/math">
+                    <m:oMathParaPr>
+                      <m:jc m:val="centerGroup"/>
+                    </m:oMathParaPr>
+                    <m:oMath xmlns:m="http://schemas.openxmlformats.org/officeDocument/2006/math">
+                      <m:sSub>
+                        <m:sSubPr>
+                          <m:ctrlPr>
+                            <a:rPr kumimoji="1" lang="en-US" altLang="ja-JP" sz="2800" i="1" smtClean="0">
+                              <a:latin typeface="Cambria Math" panose="02040503050406030204" pitchFamily="18" charset="0"/>
+                            </a:rPr>
+                          </m:ctrlPr>
+                        </m:sSubPr>
+                        <m:e>
+                          <m:r>
+                            <a:rPr kumimoji="1" lang="en-US" altLang="ja-JP" sz="2800" i="1" smtClean="0">
+                              <a:latin typeface="Cambria Math" panose="02040503050406030204" pitchFamily="18" charset="0"/>
+                              <a:ea typeface="Cambria Math" panose="02040503050406030204" pitchFamily="18" charset="0"/>
+                            </a:rPr>
+                            <m:t>𝜃</m:t>
+                          </m:r>
+                        </m:e>
+                        <m:sub>
+                          <m:r>
+                            <a:rPr kumimoji="1" lang="en-US" altLang="ja-JP" sz="2800" b="0" i="1" smtClean="0">
+                              <a:latin typeface="Cambria Math" panose="02040503050406030204" pitchFamily="18" charset="0"/>
+                            </a:rPr>
+                            <m:t>2</m:t>
+                          </m:r>
+                        </m:sub>
+                      </m:sSub>
+                    </m:oMath>
+                  </m:oMathPara>
+                </a14:m>
+                <a:endParaRPr kumimoji="1" lang="ja-JP" altLang="en-US" sz="2800" dirty="0"/>
+              </a:p>
+            </p:txBody>
+          </p:sp>
+        </mc:Choice>
+        <mc:Fallback>
+          <p:sp>
+            <p:nvSpPr>
+              <p:cNvPr id="8" name="テキスト ボックス 7">
+                <a:extLst>
+                  <a:ext uri="{FF2B5EF4-FFF2-40B4-BE49-F238E27FC236}">
+                    <a16:creationId xmlns:a16="http://schemas.microsoft.com/office/drawing/2014/main" id="{18013B7A-D4CC-EF46-9FE6-83DE1CBA8FD6}"/>
+                  </a:ext>
+                </a:extLst>
+              </p:cNvPr>
+              <p:cNvSpPr txBox="1">
+                <a:spLocks noRot="1" noChangeAspect="1" noMove="1" noResize="1" noEditPoints="1" noAdjustHandles="1" noChangeArrowheads="1" noChangeShapeType="1" noTextEdit="1"/>
+              </p:cNvSpPr>
+              <p:nvPr/>
+            </p:nvSpPr>
+            <p:spPr>
+              <a:xfrm>
+                <a:off x="7781743" y="5824908"/>
+                <a:ext cx="518196" cy="430887"/>
+              </a:xfrm>
+              <a:prstGeom prst="rect">
+                <a:avLst/>
+              </a:prstGeom>
+              <a:blipFill>
+                <a:blip r:embed="rId4"/>
+                <a:stretch>
+                  <a:fillRect l="-7143" b="-11429"/>
+                </a:stretch>
+              </a:blipFill>
+            </p:spPr>
+            <p:txBody>
+              <a:bodyPr/>
+              <a:lstStyle/>
+              <a:p>
+                <a:r>
+                  <a:rPr lang="ja-JP" altLang="en-US">
+                    <a:noFill/>
+                  </a:rPr>
+                  <a:t> </a:t>
+                </a:r>
+              </a:p>
+            </p:txBody>
+          </p:sp>
+        </mc:Fallback>
+      </mc:AlternateContent>
+      <mc:AlternateContent xmlns:mc="http://schemas.openxmlformats.org/markup-compatibility/2006">
+        <mc:Choice xmlns:a14="http://schemas.microsoft.com/office/drawing/2010/main" Requires="a14">
+          <p:sp>
+            <p:nvSpPr>
+              <p:cNvPr id="11" name="テキスト ボックス 10">
+                <a:extLst>
+                  <a:ext uri="{FF2B5EF4-FFF2-40B4-BE49-F238E27FC236}">
+                    <a16:creationId xmlns:a16="http://schemas.microsoft.com/office/drawing/2014/main" id="{692A636D-FF31-FF4E-BD2A-2CA0577B26E3}"/>
+                  </a:ext>
+                </a:extLst>
+              </p:cNvPr>
+              <p:cNvSpPr txBox="1"/>
+              <p:nvPr/>
+            </p:nvSpPr>
+            <p:spPr>
+              <a:xfrm>
+                <a:off x="9308918" y="3101855"/>
+                <a:ext cx="518196" cy="430887"/>
+              </a:xfrm>
+              <a:prstGeom prst="rect">
+                <a:avLst/>
+              </a:prstGeom>
+              <a:noFill/>
+            </p:spPr>
+            <p:txBody>
+              <a:bodyPr wrap="square" lIns="0" tIns="0" rIns="0" bIns="0" rtlCol="0">
+                <a:spAutoFit/>
+              </a:bodyPr>
+              <a:lstStyle/>
+              <a:p>
+                <a14:m>
+                  <m:oMathPara xmlns:m="http://schemas.openxmlformats.org/officeDocument/2006/math">
+                    <m:oMathParaPr>
+                      <m:jc m:val="centerGroup"/>
+                    </m:oMathParaPr>
+                    <m:oMath xmlns:m="http://schemas.openxmlformats.org/officeDocument/2006/math">
+                      <m:sSub>
+                        <m:sSubPr>
+                          <m:ctrlPr>
+                            <a:rPr kumimoji="1" lang="en-US" altLang="ja-JP" sz="2800" i="1" smtClean="0">
+                              <a:latin typeface="Cambria Math" panose="02040503050406030204" pitchFamily="18" charset="0"/>
+                            </a:rPr>
+                          </m:ctrlPr>
+                        </m:sSubPr>
+                        <m:e>
+                          <m:r>
+                            <a:rPr kumimoji="1" lang="en-US" altLang="ja-JP" sz="2800" i="1" smtClean="0">
+                              <a:latin typeface="Cambria Math" panose="02040503050406030204" pitchFamily="18" charset="0"/>
+                              <a:ea typeface="Cambria Math" panose="02040503050406030204" pitchFamily="18" charset="0"/>
+                            </a:rPr>
+                            <m:t>𝜃</m:t>
+                          </m:r>
+                        </m:e>
+                        <m:sub>
+                          <m:r>
+                            <a:rPr kumimoji="1" lang="en-US" altLang="ja-JP" sz="2800" b="0" i="1" smtClean="0">
+                              <a:latin typeface="Cambria Math" panose="02040503050406030204" pitchFamily="18" charset="0"/>
+                            </a:rPr>
+                            <m:t>𝑚𝑒𝑎𝑛</m:t>
+                          </m:r>
+                        </m:sub>
+                      </m:sSub>
+                    </m:oMath>
+                  </m:oMathPara>
+                </a14:m>
+                <a:endParaRPr kumimoji="1" lang="ja-JP" altLang="en-US" sz="2800" dirty="0"/>
+              </a:p>
+            </p:txBody>
+          </p:sp>
+        </mc:Choice>
+        <mc:Fallback>
+          <p:sp>
+            <p:nvSpPr>
+              <p:cNvPr id="11" name="テキスト ボックス 10">
+                <a:extLst>
+                  <a:ext uri="{FF2B5EF4-FFF2-40B4-BE49-F238E27FC236}">
+                    <a16:creationId xmlns:a16="http://schemas.microsoft.com/office/drawing/2014/main" id="{692A636D-FF31-FF4E-BD2A-2CA0577B26E3}"/>
+                  </a:ext>
+                </a:extLst>
+              </p:cNvPr>
+              <p:cNvSpPr txBox="1">
+                <a:spLocks noRot="1" noChangeAspect="1" noMove="1" noResize="1" noEditPoints="1" noAdjustHandles="1" noChangeArrowheads="1" noChangeShapeType="1" noTextEdit="1"/>
+              </p:cNvSpPr>
+              <p:nvPr/>
+            </p:nvSpPr>
+            <p:spPr>
+              <a:xfrm>
+                <a:off x="9308918" y="3101855"/>
+                <a:ext cx="518196" cy="430887"/>
+              </a:xfrm>
+              <a:prstGeom prst="rect">
+                <a:avLst/>
+              </a:prstGeom>
+              <a:blipFill>
+                <a:blip r:embed="rId5"/>
+                <a:stretch>
+                  <a:fillRect l="-21429" r="-80952" b="-8571"/>
+                </a:stretch>
+              </a:blipFill>
+            </p:spPr>
+            <p:txBody>
+              <a:bodyPr/>
+              <a:lstStyle/>
+              <a:p>
+                <a:r>
+                  <a:rPr lang="ja-JP" altLang="en-US">
+                    <a:noFill/>
+                  </a:rPr>
+                  <a:t> </a:t>
+                </a:r>
+              </a:p>
+            </p:txBody>
+          </p:sp>
+        </mc:Fallback>
+      </mc:AlternateContent>
+    </p:spTree>
+    <p:extLst>
+      <p:ext uri="{BB962C8B-B14F-4D97-AF65-F5344CB8AC3E}">
+        <p14:creationId xmlns:p14="http://schemas.microsoft.com/office/powerpoint/2010/main" val="3846370364"/>
+      </p:ext>
+    </p:extLst>
+  </p:cSld>
+  <p:clrMapOvr>
+    <a:masterClrMapping/>
+  </p:clrMapOvr>
+</p:sld>
+</file>
+
+<file path=ppt/slides/slide4.xml><?xml version="1.0" encoding="utf-8"?>
+<p:sld xmlns:a="http://schemas.openxmlformats.org/drawingml/2006/main" xmlns:r="http://schemas.openxmlformats.org/officeDocument/2006/relationships" xmlns:p="http://schemas.openxmlformats.org/presentationml/2006/main">
+  <p:cSld>
+    <p:spTree>
+      <p:nvGrpSpPr>
+        <p:cNvPr id="1" name=""/>
+        <p:cNvGrpSpPr/>
+        <p:nvPr/>
+      </p:nvGrpSpPr>
+      <p:grpSpPr>
+        <a:xfrm>
+          <a:off x="0" y="0"/>
+          <a:ext cx="0" cy="0"/>
+          <a:chOff x="0" y="0"/>
+          <a:chExt cx="0" cy="0"/>
+        </a:xfrm>
+      </p:grpSpPr>
+      <p:pic>
+        <p:nvPicPr>
+          <p:cNvPr id="3" name="図 2">
+            <a:extLst>
+              <a:ext uri="{FF2B5EF4-FFF2-40B4-BE49-F238E27FC236}">
+                <a16:creationId xmlns:a16="http://schemas.microsoft.com/office/drawing/2014/main" id="{DDA744CF-C4CD-4E42-B356-01BC9AEF20E0}"/>
+              </a:ext>
+            </a:extLst>
+          </p:cNvPr>
+          <p:cNvPicPr>
+            <a:picLocks noChangeAspect="1"/>
+          </p:cNvPicPr>
+          <p:nvPr/>
+        </p:nvPicPr>
+        <p:blipFill>
+          <a:blip r:embed="rId2">
+            <a:extLst>
+              <a:ext uri="{28A0092B-C50C-407E-A947-70E740481C1C}">
+                <a14:useLocalDpi xmlns:a14="http://schemas.microsoft.com/office/drawing/2010/main" val="0"/>
+              </a:ext>
+            </a:extLst>
+          </a:blip>
+          <a:stretch>
+            <a:fillRect/>
+          </a:stretch>
+        </p:blipFill>
+        <p:spPr>
+          <a:xfrm>
+            <a:off x="2349500" y="247650"/>
+            <a:ext cx="7493000" cy="6362700"/>
+          </a:xfrm>
+          <a:prstGeom prst="rect">
+            <a:avLst/>
+          </a:prstGeom>
+        </p:spPr>
+      </p:pic>
+      <mc:AlternateContent xmlns:mc="http://schemas.openxmlformats.org/markup-compatibility/2006">
+        <mc:Choice xmlns:a14="http://schemas.microsoft.com/office/drawing/2010/main" Requires="a14">
+          <p:sp>
+            <p:nvSpPr>
+              <p:cNvPr id="4" name="テキスト ボックス 3">
+                <a:extLst>
+                  <a:ext uri="{FF2B5EF4-FFF2-40B4-BE49-F238E27FC236}">
+                    <a16:creationId xmlns:a16="http://schemas.microsoft.com/office/drawing/2014/main" id="{F699BDED-6FAC-E340-A6D2-E4B935D727BD}"/>
+                  </a:ext>
+                </a:extLst>
+              </p:cNvPr>
+              <p:cNvSpPr txBox="1"/>
+              <p:nvPr/>
+            </p:nvSpPr>
+            <p:spPr>
+              <a:xfrm>
+                <a:off x="7781743" y="363417"/>
+                <a:ext cx="518196" cy="430887"/>
+              </a:xfrm>
+              <a:prstGeom prst="rect">
+                <a:avLst/>
+              </a:prstGeom>
+              <a:noFill/>
+            </p:spPr>
+            <p:txBody>
+              <a:bodyPr wrap="square" lIns="0" tIns="0" rIns="0" bIns="0" rtlCol="0">
+                <a:spAutoFit/>
+              </a:bodyPr>
+              <a:lstStyle/>
+              <a:p>
+                <a14:m>
+                  <m:oMathPara xmlns:m="http://schemas.openxmlformats.org/officeDocument/2006/math">
+                    <m:oMathParaPr>
+                      <m:jc m:val="centerGroup"/>
+                    </m:oMathParaPr>
+                    <m:oMath xmlns:m="http://schemas.openxmlformats.org/officeDocument/2006/math">
+                      <m:sSub>
+                        <m:sSubPr>
+                          <m:ctrlPr>
+                            <a:rPr kumimoji="1" lang="en-US" altLang="ja-JP" sz="2800" i="1" smtClean="0">
+                              <a:latin typeface="Cambria Math" panose="02040503050406030204" pitchFamily="18" charset="0"/>
+                            </a:rPr>
+                          </m:ctrlPr>
+                        </m:sSubPr>
+                        <m:e>
+                          <m:r>
+                            <a:rPr kumimoji="1" lang="en-US" altLang="ja-JP" sz="2800" i="1" smtClean="0">
+                              <a:latin typeface="Cambria Math" panose="02040503050406030204" pitchFamily="18" charset="0"/>
+                              <a:ea typeface="Cambria Math" panose="02040503050406030204" pitchFamily="18" charset="0"/>
+                            </a:rPr>
+                            <m:t>𝜃</m:t>
+                          </m:r>
+                        </m:e>
+                        <m:sub>
+                          <m:r>
+                            <a:rPr kumimoji="1" lang="en-US" altLang="ja-JP" sz="2800" b="0" i="1" smtClean="0">
+                              <a:latin typeface="Cambria Math" panose="02040503050406030204" pitchFamily="18" charset="0"/>
+                            </a:rPr>
+                            <m:t>1</m:t>
+                          </m:r>
+                        </m:sub>
+                      </m:sSub>
+                    </m:oMath>
+                  </m:oMathPara>
+                </a14:m>
+                <a:endParaRPr kumimoji="1" lang="ja-JP" altLang="en-US" sz="2800" dirty="0"/>
+              </a:p>
+            </p:txBody>
+          </p:sp>
+        </mc:Choice>
+        <mc:Fallback>
+          <p:sp>
+            <p:nvSpPr>
+              <p:cNvPr id="4" name="テキスト ボックス 3">
+                <a:extLst>
+                  <a:ext uri="{FF2B5EF4-FFF2-40B4-BE49-F238E27FC236}">
+                    <a16:creationId xmlns:a16="http://schemas.microsoft.com/office/drawing/2014/main" id="{F699BDED-6FAC-E340-A6D2-E4B935D727BD}"/>
+                  </a:ext>
+                </a:extLst>
+              </p:cNvPr>
+              <p:cNvSpPr txBox="1">
+                <a:spLocks noRot="1" noChangeAspect="1" noMove="1" noResize="1" noEditPoints="1" noAdjustHandles="1" noChangeArrowheads="1" noChangeShapeType="1" noTextEdit="1"/>
+              </p:cNvSpPr>
+              <p:nvPr/>
+            </p:nvSpPr>
+            <p:spPr>
+              <a:xfrm>
+                <a:off x="7781743" y="363417"/>
+                <a:ext cx="518196" cy="430887"/>
+              </a:xfrm>
+              <a:prstGeom prst="rect">
+                <a:avLst/>
+              </a:prstGeom>
+              <a:blipFill>
+                <a:blip r:embed="rId3"/>
+                <a:stretch>
+                  <a:fillRect l="-7143" b="-11429"/>
+                </a:stretch>
+              </a:blipFill>
+            </p:spPr>
+            <p:txBody>
+              <a:bodyPr/>
+              <a:lstStyle/>
+              <a:p>
+                <a:r>
+                  <a:rPr lang="ja-JP" altLang="en-US">
+                    <a:noFill/>
+                  </a:rPr>
+                  <a:t> </a:t>
+                </a:r>
+              </a:p>
+            </p:txBody>
+          </p:sp>
+        </mc:Fallback>
+      </mc:AlternateContent>
+      <mc:AlternateContent xmlns:mc="http://schemas.openxmlformats.org/markup-compatibility/2006">
+        <mc:Choice xmlns:a14="http://schemas.microsoft.com/office/drawing/2010/main" Requires="a14">
+          <p:sp>
+            <p:nvSpPr>
+              <p:cNvPr id="5" name="テキスト ボックス 4">
+                <a:extLst>
+                  <a:ext uri="{FF2B5EF4-FFF2-40B4-BE49-F238E27FC236}">
+                    <a16:creationId xmlns:a16="http://schemas.microsoft.com/office/drawing/2014/main" id="{EA33A9A2-CE80-6147-BF6D-802F371AC8FE}"/>
+                  </a:ext>
+                </a:extLst>
+              </p:cNvPr>
+              <p:cNvSpPr txBox="1"/>
+              <p:nvPr/>
+            </p:nvSpPr>
+            <p:spPr>
+              <a:xfrm>
+                <a:off x="7781743" y="5830768"/>
+                <a:ext cx="518196" cy="430887"/>
+              </a:xfrm>
+              <a:prstGeom prst="rect">
+                <a:avLst/>
+              </a:prstGeom>
+              <a:noFill/>
+            </p:spPr>
+            <p:txBody>
+              <a:bodyPr wrap="square" lIns="0" tIns="0" rIns="0" bIns="0" rtlCol="0">
+                <a:spAutoFit/>
+              </a:bodyPr>
+              <a:lstStyle/>
+              <a:p>
+                <a14:m>
+                  <m:oMathPara xmlns:m="http://schemas.openxmlformats.org/officeDocument/2006/math">
+                    <m:oMathParaPr>
+                      <m:jc m:val="centerGroup"/>
+                    </m:oMathParaPr>
+                    <m:oMath xmlns:m="http://schemas.openxmlformats.org/officeDocument/2006/math">
+                      <m:sSub>
+                        <m:sSubPr>
+                          <m:ctrlPr>
+                            <a:rPr kumimoji="1" lang="en-US" altLang="ja-JP" sz="2800" i="1" smtClean="0">
+                              <a:latin typeface="Cambria Math" panose="02040503050406030204" pitchFamily="18" charset="0"/>
+                            </a:rPr>
+                          </m:ctrlPr>
+                        </m:sSubPr>
+                        <m:e>
+                          <m:r>
+                            <a:rPr kumimoji="1" lang="en-US" altLang="ja-JP" sz="2800" i="1" smtClean="0">
+                              <a:latin typeface="Cambria Math" panose="02040503050406030204" pitchFamily="18" charset="0"/>
+                              <a:ea typeface="Cambria Math" panose="02040503050406030204" pitchFamily="18" charset="0"/>
+                            </a:rPr>
+                            <m:t>𝜃</m:t>
+                          </m:r>
+                        </m:e>
+                        <m:sub>
+                          <m:r>
+                            <a:rPr kumimoji="1" lang="en-US" altLang="ja-JP" sz="2800" b="0" i="1" smtClean="0">
+                              <a:latin typeface="Cambria Math" panose="02040503050406030204" pitchFamily="18" charset="0"/>
+                            </a:rPr>
+                            <m:t>2</m:t>
+                          </m:r>
+                        </m:sub>
+                      </m:sSub>
+                    </m:oMath>
+                  </m:oMathPara>
+                </a14:m>
+                <a:endParaRPr kumimoji="1" lang="ja-JP" altLang="en-US" sz="2800" dirty="0"/>
+              </a:p>
+            </p:txBody>
+          </p:sp>
+        </mc:Choice>
+        <mc:Fallback>
+          <p:sp>
+            <p:nvSpPr>
+              <p:cNvPr id="5" name="テキスト ボックス 4">
+                <a:extLst>
+                  <a:ext uri="{FF2B5EF4-FFF2-40B4-BE49-F238E27FC236}">
+                    <a16:creationId xmlns:a16="http://schemas.microsoft.com/office/drawing/2014/main" id="{EA33A9A2-CE80-6147-BF6D-802F371AC8FE}"/>
+                  </a:ext>
+                </a:extLst>
+              </p:cNvPr>
+              <p:cNvSpPr txBox="1">
+                <a:spLocks noRot="1" noChangeAspect="1" noMove="1" noResize="1" noEditPoints="1" noAdjustHandles="1" noChangeArrowheads="1" noChangeShapeType="1" noTextEdit="1"/>
+              </p:cNvSpPr>
+              <p:nvPr/>
+            </p:nvSpPr>
+            <p:spPr>
+              <a:xfrm>
+                <a:off x="7781743" y="5830768"/>
+                <a:ext cx="518196" cy="430887"/>
+              </a:xfrm>
+              <a:prstGeom prst="rect">
+                <a:avLst/>
+              </a:prstGeom>
+              <a:blipFill>
+                <a:blip r:embed="rId4"/>
+                <a:stretch>
+                  <a:fillRect l="-7143" b="-11429"/>
+                </a:stretch>
+              </a:blipFill>
+            </p:spPr>
+            <p:txBody>
+              <a:bodyPr/>
+              <a:lstStyle/>
+              <a:p>
+                <a:r>
+                  <a:rPr lang="ja-JP" altLang="en-US">
+                    <a:noFill/>
+                  </a:rPr>
+                  <a:t> </a:t>
+                </a:r>
+              </a:p>
+            </p:txBody>
+          </p:sp>
+        </mc:Fallback>
+      </mc:AlternateContent>
+      <mc:AlternateContent xmlns:mc="http://schemas.openxmlformats.org/markup-compatibility/2006">
+        <mc:Choice xmlns:a14="http://schemas.microsoft.com/office/drawing/2010/main" Requires="a14">
+          <p:sp>
+            <p:nvSpPr>
+              <p:cNvPr id="6" name="テキスト ボックス 5">
+                <a:extLst>
+                  <a:ext uri="{FF2B5EF4-FFF2-40B4-BE49-F238E27FC236}">
+                    <a16:creationId xmlns:a16="http://schemas.microsoft.com/office/drawing/2014/main" id="{D9B44D1F-B7DE-BD4A-97FF-70310A62C4FF}"/>
+                  </a:ext>
+                </a:extLst>
+              </p:cNvPr>
+              <p:cNvSpPr txBox="1"/>
+              <p:nvPr/>
+            </p:nvSpPr>
+            <p:spPr>
+              <a:xfrm>
+                <a:off x="2490823" y="3101855"/>
+                <a:ext cx="1009820" cy="430887"/>
+              </a:xfrm>
+              <a:prstGeom prst="rect">
+                <a:avLst/>
+              </a:prstGeom>
+              <a:noFill/>
+            </p:spPr>
+            <p:txBody>
+              <a:bodyPr wrap="square" lIns="0" tIns="0" rIns="0" bIns="0" rtlCol="0">
+                <a:spAutoFit/>
+              </a:bodyPr>
+              <a:lstStyle/>
+              <a:p>
+                <a14:m>
+                  <m:oMathPara xmlns:m="http://schemas.openxmlformats.org/officeDocument/2006/math">
+                    <m:oMathParaPr>
+                      <m:jc m:val="centerGroup"/>
+                    </m:oMathParaPr>
+                    <m:oMath xmlns:m="http://schemas.openxmlformats.org/officeDocument/2006/math">
+                      <m:sSub>
+                        <m:sSubPr>
+                          <m:ctrlPr>
+                            <a:rPr kumimoji="1" lang="en-US" altLang="ja-JP" sz="2800" i="1" smtClean="0">
+                              <a:latin typeface="Cambria Math" panose="02040503050406030204" pitchFamily="18" charset="0"/>
+                            </a:rPr>
+                          </m:ctrlPr>
+                        </m:sSubPr>
+                        <m:e>
+                          <m:r>
+                            <a:rPr kumimoji="1" lang="en-US" altLang="ja-JP" sz="2800" i="1" smtClean="0">
+                              <a:latin typeface="Cambria Math" panose="02040503050406030204" pitchFamily="18" charset="0"/>
+                              <a:ea typeface="Cambria Math" panose="02040503050406030204" pitchFamily="18" charset="0"/>
+                            </a:rPr>
+                            <m:t>𝜃</m:t>
+                          </m:r>
+                        </m:e>
+                        <m:sub>
+                          <m:r>
+                            <a:rPr kumimoji="1" lang="en-US" altLang="ja-JP" sz="2800" b="0" i="1" smtClean="0">
+                              <a:latin typeface="Cambria Math" panose="02040503050406030204" pitchFamily="18" charset="0"/>
+                            </a:rPr>
+                            <m:t>𝑚𝑒𝑎𝑛</m:t>
+                          </m:r>
+                        </m:sub>
+                      </m:sSub>
+                    </m:oMath>
+                  </m:oMathPara>
+                </a14:m>
+                <a:endParaRPr kumimoji="1" lang="ja-JP" altLang="en-US" sz="2800" dirty="0"/>
+              </a:p>
+            </p:txBody>
+          </p:sp>
+        </mc:Choice>
+        <mc:Fallback>
+          <p:sp>
+            <p:nvSpPr>
+              <p:cNvPr id="6" name="テキスト ボックス 5">
+                <a:extLst>
+                  <a:ext uri="{FF2B5EF4-FFF2-40B4-BE49-F238E27FC236}">
+                    <a16:creationId xmlns:a16="http://schemas.microsoft.com/office/drawing/2014/main" id="{D9B44D1F-B7DE-BD4A-97FF-70310A62C4FF}"/>
+                  </a:ext>
+                </a:extLst>
+              </p:cNvPr>
+              <p:cNvSpPr txBox="1">
+                <a:spLocks noRot="1" noChangeAspect="1" noMove="1" noResize="1" noEditPoints="1" noAdjustHandles="1" noChangeArrowheads="1" noChangeShapeType="1" noTextEdit="1"/>
+              </p:cNvSpPr>
+              <p:nvPr/>
+            </p:nvSpPr>
+            <p:spPr>
+              <a:xfrm>
+                <a:off x="2490823" y="3101855"/>
+                <a:ext cx="1009820" cy="430887"/>
+              </a:xfrm>
+              <a:prstGeom prst="rect">
+                <a:avLst/>
+              </a:prstGeom>
+              <a:blipFill>
+                <a:blip r:embed="rId5"/>
+                <a:stretch>
+                  <a:fillRect l="-6173" b="-8571"/>
+                </a:stretch>
+              </a:blipFill>
+            </p:spPr>
+            <p:txBody>
+              <a:bodyPr/>
+              <a:lstStyle/>
+              <a:p>
+                <a:r>
+                  <a:rPr lang="ja-JP" altLang="en-US">
+                    <a:noFill/>
+                  </a:rPr>
+                  <a:t> </a:t>
+                </a:r>
+              </a:p>
+            </p:txBody>
+          </p:sp>
+        </mc:Fallback>
+      </mc:AlternateContent>
+    </p:spTree>
+    <p:extLst>
+      <p:ext uri="{BB962C8B-B14F-4D97-AF65-F5344CB8AC3E}">
+        <p14:creationId xmlns:p14="http://schemas.microsoft.com/office/powerpoint/2010/main" val="3411182584"/>
       </p:ext>
     </p:extLst>
   </p:cSld>
